--- a/GitHub Presentation .pptx
+++ b/GitHub Presentation .pptx
@@ -17464,8 +17464,8 @@
         </p:nvSpPr>
         <p:spPr>
           <a:xfrm>
-            <a:off x="8153486" y="609599"/>
-            <a:ext cx="3413156" cy="5273675"/>
+            <a:off x="8396569" y="4113239"/>
+            <a:ext cx="4089561" cy="1247818"/>
           </a:xfrm>
         </p:spPr>
         <p:txBody>
@@ -17476,7 +17476,7 @@
           <a:p>
             <a:pPr algn="l"/>
             <a:r>
-              <a:rPr lang="en-US" sz="3600"/>
+              <a:rPr lang="en-US" sz="3600" dirty="0"/>
               <a:t>Any Questions?</a:t>
             </a:r>
           </a:p>
@@ -17549,6 +17549,9 @@
           </a:bodyPr>
           <a:lstStyle/>
           <a:p>
+            <a:pPr marL="36900" indent="0" algn="ctr">
+              <a:buNone/>
+            </a:pPr>
             <a:r>
               <a:rPr dirty="0"/>
               <a:t>Thank You!</a:t>
@@ -17597,6 +17600,38 @@
           <a:xfrm>
             <a:off x="3612415" y="885150"/>
             <a:ext cx="868966" cy="850076"/>
+          </a:xfrm>
+          <a:prstGeom prst="rect">
+            <a:avLst/>
+          </a:prstGeom>
+        </p:spPr>
+      </p:pic>
+      <p:pic>
+        <p:nvPicPr>
+          <p:cNvPr id="9" name="Picture 8" descr="A qr code with purple squares&#10;&#10;AI-generated content may be incorrect.">
+            <a:extLst>
+              <a:ext uri="{FF2B5EF4-FFF2-40B4-BE49-F238E27FC236}">
+                <a16:creationId xmlns:a16="http://schemas.microsoft.com/office/drawing/2014/main" id="{1B9273E2-2282-337F-EB3C-8916C2D68AB6}"/>
+              </a:ext>
+            </a:extLst>
+          </p:cNvPr>
+          <p:cNvPicPr>
+            <a:picLocks noChangeAspect="1"/>
+          </p:cNvPicPr>
+          <p:nvPr/>
+        </p:nvPicPr>
+        <p:blipFill>
+          <a:blip r:embed="rId5">
+            <a:lum bright="70000" contrast="-70000"/>
+          </a:blip>
+          <a:stretch>
+            <a:fillRect/>
+          </a:stretch>
+        </p:blipFill>
+        <p:spPr>
+          <a:xfrm>
+            <a:off x="8840863" y="684239"/>
+            <a:ext cx="2744761" cy="2744761"/>
           </a:xfrm>
           <a:prstGeom prst="rect">
             <a:avLst/>

--- a/GitHub Presentation .pptx
+++ b/GitHub Presentation .pptx
@@ -2670,26 +2670,26 @@
     </dgm:pt>
   </dgm:ptLst>
   <dgm:cxnLst>
-    <dgm:cxn modelId="{C62B5414-7F43-4549-B88A-507AD2D93C7E}" type="presOf" srcId="{A3D8FA05-5FF6-479A-9D33-B6BF9880FC9E}" destId="{002ED852-D75A-4F2C-BD01-D979D451B8DB}" srcOrd="0" destOrd="0" presId="urn:microsoft.com/office/officeart/2005/8/layout/matrix3"/>
     <dgm:cxn modelId="{E13DCD16-FDF4-4C2D-B573-ADE79EB81871}" srcId="{BCB9131D-E1AB-4FD8-A9EE-2D4AB10CD789}" destId="{A3D8FA05-5FF6-479A-9D33-B6BF9880FC9E}" srcOrd="3" destOrd="0" parTransId="{B8898637-CD35-4CDB-9D36-A5CEC3033761}" sibTransId="{CEDECF5F-E939-4FCC-BF17-47C48DC6E9C2}"/>
-    <dgm:cxn modelId="{52B1D62F-A83E-4DBF-A78E-913439E5916E}" type="presOf" srcId="{BCB9131D-E1AB-4FD8-A9EE-2D4AB10CD789}" destId="{349F2541-8C3C-42EA-A801-EA6C4B266195}" srcOrd="0" destOrd="0" presId="urn:microsoft.com/office/officeart/2005/8/layout/matrix3"/>
     <dgm:cxn modelId="{2CDBAC34-41D2-4720-87BF-5FD9F1C28200}" srcId="{BCB9131D-E1AB-4FD8-A9EE-2D4AB10CD789}" destId="{A97AAF52-008C-47B0-AB22-461C74536BB4}" srcOrd="0" destOrd="0" parTransId="{0BDACBBC-AAF9-4C8E-B6F1-5CB6EACED390}" sibTransId="{9DA810D3-BA2C-4104-A244-7B8586891F52}"/>
-    <dgm:cxn modelId="{0A6D3B7E-1173-48DB-A6A9-BDF49E0B0686}" type="presOf" srcId="{CC50213D-B551-4F82-B646-5F62F359477C}" destId="{C199BF47-E0F4-4E07-BE7F-4974C54B08F4}" srcOrd="0" destOrd="0" presId="urn:microsoft.com/office/officeart/2005/8/layout/matrix3"/>
+    <dgm:cxn modelId="{965CCF50-C976-42E9-8EB0-19434B9AB947}" type="presOf" srcId="{A3D8FA05-5FF6-479A-9D33-B6BF9880FC9E}" destId="{002ED852-D75A-4F2C-BD01-D979D451B8DB}" srcOrd="0" destOrd="0" presId="urn:microsoft.com/office/officeart/2005/8/layout/matrix3"/>
+    <dgm:cxn modelId="{30D06395-B961-4786-84DF-2BA286D6DB1E}" type="presOf" srcId="{CC50213D-B551-4F82-B646-5F62F359477C}" destId="{C199BF47-E0F4-4E07-BE7F-4974C54B08F4}" srcOrd="0" destOrd="0" presId="urn:microsoft.com/office/officeart/2005/8/layout/matrix3"/>
     <dgm:cxn modelId="{EBBBDFA2-1008-4D01-B931-272A2E098E1B}" srcId="{BCB9131D-E1AB-4FD8-A9EE-2D4AB10CD789}" destId="{CC50213D-B551-4F82-B646-5F62F359477C}" srcOrd="1" destOrd="0" parTransId="{49389E1D-8640-4E33-A379-A5343222591E}" sibTransId="{484BC80D-06BC-43F1-AC78-24C22B88AA48}"/>
-    <dgm:cxn modelId="{CBCA14C0-9BB2-4251-85DA-4AA8402720D0}" type="presOf" srcId="{5A08C9C2-2B87-478E-BEFD-3FBEB66100BF}" destId="{4107314F-35B3-475A-B2E3-8F221B6D9354}" srcOrd="0" destOrd="0" presId="urn:microsoft.com/office/officeart/2005/8/layout/matrix3"/>
+    <dgm:cxn modelId="{37C770AE-7065-4631-9112-AA9E358FED66}" type="presOf" srcId="{BCB9131D-E1AB-4FD8-A9EE-2D4AB10CD789}" destId="{349F2541-8C3C-42EA-A801-EA6C4B266195}" srcOrd="0" destOrd="0" presId="urn:microsoft.com/office/officeart/2005/8/layout/matrix3"/>
+    <dgm:cxn modelId="{B230DEB7-7289-49B5-830D-3E2D75109A86}" type="presOf" srcId="{A97AAF52-008C-47B0-AB22-461C74536BB4}" destId="{B05993B5-1B26-4337-B1EF-982BCE255A13}" srcOrd="0" destOrd="0" presId="urn:microsoft.com/office/officeart/2005/8/layout/matrix3"/>
     <dgm:cxn modelId="{5EB9E0C5-4136-4A3F-A454-D4E09FB990FB}" srcId="{BCB9131D-E1AB-4FD8-A9EE-2D4AB10CD789}" destId="{5A08C9C2-2B87-478E-BEFD-3FBEB66100BF}" srcOrd="2" destOrd="0" parTransId="{D26B5DF6-3DFE-426F-ADE6-0A6F804B50F8}" sibTransId="{5127FF15-768A-460E-905B-8E8A777C94A3}"/>
-    <dgm:cxn modelId="{1DED1FCA-070A-45E4-A679-24A9DEFDF8B5}" type="presOf" srcId="{A97AAF52-008C-47B0-AB22-461C74536BB4}" destId="{B05993B5-1B26-4337-B1EF-982BCE255A13}" srcOrd="0" destOrd="0" presId="urn:microsoft.com/office/officeart/2005/8/layout/matrix3"/>
-    <dgm:cxn modelId="{AE25EF88-D62B-409E-AE4C-364C69B4CA15}" type="presParOf" srcId="{349F2541-8C3C-42EA-A801-EA6C4B266195}" destId="{FDC21298-D7D8-4E39-81F7-C982DBCBE011}" srcOrd="0" destOrd="0" presId="urn:microsoft.com/office/officeart/2005/8/layout/matrix3"/>
-    <dgm:cxn modelId="{81EDAC59-272E-477D-860B-DB432D642F30}" type="presParOf" srcId="{349F2541-8C3C-42EA-A801-EA6C4B266195}" destId="{B05993B5-1B26-4337-B1EF-982BCE255A13}" srcOrd="1" destOrd="0" presId="urn:microsoft.com/office/officeart/2005/8/layout/matrix3"/>
-    <dgm:cxn modelId="{B6A3674F-9FC1-470C-B28E-249F0FB4EAE5}" type="presParOf" srcId="{349F2541-8C3C-42EA-A801-EA6C4B266195}" destId="{C199BF47-E0F4-4E07-BE7F-4974C54B08F4}" srcOrd="2" destOrd="0" presId="urn:microsoft.com/office/officeart/2005/8/layout/matrix3"/>
-    <dgm:cxn modelId="{B168CC23-032C-4F45-B231-2752E2319AF2}" type="presParOf" srcId="{349F2541-8C3C-42EA-A801-EA6C4B266195}" destId="{4107314F-35B3-475A-B2E3-8F221B6D9354}" srcOrd="3" destOrd="0" presId="urn:microsoft.com/office/officeart/2005/8/layout/matrix3"/>
-    <dgm:cxn modelId="{DBD2F8B8-A21D-478C-9FB7-373C7AC273ED}" type="presParOf" srcId="{349F2541-8C3C-42EA-A801-EA6C4B266195}" destId="{002ED852-D75A-4F2C-BD01-D979D451B8DB}" srcOrd="4" destOrd="0" presId="urn:microsoft.com/office/officeart/2005/8/layout/matrix3"/>
+    <dgm:cxn modelId="{D32920C7-2ED6-40EE-80BB-65D2325B09CE}" type="presOf" srcId="{5A08C9C2-2B87-478E-BEFD-3FBEB66100BF}" destId="{4107314F-35B3-475A-B2E3-8F221B6D9354}" srcOrd="0" destOrd="0" presId="urn:microsoft.com/office/officeart/2005/8/layout/matrix3"/>
+    <dgm:cxn modelId="{7669BEF7-C044-4EAF-9130-EC5544A57A95}" type="presParOf" srcId="{349F2541-8C3C-42EA-A801-EA6C4B266195}" destId="{FDC21298-D7D8-4E39-81F7-C982DBCBE011}" srcOrd="0" destOrd="0" presId="urn:microsoft.com/office/officeart/2005/8/layout/matrix3"/>
+    <dgm:cxn modelId="{8A7AC671-4C1F-492F-9AF4-F46C5E245413}" type="presParOf" srcId="{349F2541-8C3C-42EA-A801-EA6C4B266195}" destId="{B05993B5-1B26-4337-B1EF-982BCE255A13}" srcOrd="1" destOrd="0" presId="urn:microsoft.com/office/officeart/2005/8/layout/matrix3"/>
+    <dgm:cxn modelId="{E757B438-95E0-4EAD-9E8A-CAE4F103322A}" type="presParOf" srcId="{349F2541-8C3C-42EA-A801-EA6C4B266195}" destId="{C199BF47-E0F4-4E07-BE7F-4974C54B08F4}" srcOrd="2" destOrd="0" presId="urn:microsoft.com/office/officeart/2005/8/layout/matrix3"/>
+    <dgm:cxn modelId="{08523909-DA46-40CD-90C9-B0B735D2972B}" type="presParOf" srcId="{349F2541-8C3C-42EA-A801-EA6C4B266195}" destId="{4107314F-35B3-475A-B2E3-8F221B6D9354}" srcOrd="3" destOrd="0" presId="urn:microsoft.com/office/officeart/2005/8/layout/matrix3"/>
+    <dgm:cxn modelId="{E157E6ED-4717-45EC-B9CA-4B32B9F33465}" type="presParOf" srcId="{349F2541-8C3C-42EA-A801-EA6C4B266195}" destId="{002ED852-D75A-4F2C-BD01-D979D451B8DB}" srcOrd="4" destOrd="0" presId="urn:microsoft.com/office/officeart/2005/8/layout/matrix3"/>
   </dgm:cxnLst>
   <dgm:bg/>
   <dgm:whole/>
   <dgm:extLst>
     <a:ext uri="http://schemas.microsoft.com/office/drawing/2008/diagram">
-      <dsp:dataModelExt xmlns:dsp="http://schemas.microsoft.com/office/drawing/2008/diagram" relId="rId8" minVer="http://schemas.openxmlformats.org/drawingml/2006/diagram"/>
+      <dsp:dataModelExt xmlns:dsp="http://schemas.microsoft.com/office/drawing/2008/diagram" relId="rId9" minVer="http://schemas.openxmlformats.org/drawingml/2006/diagram"/>
     </a:ext>
   </dgm:extLst>
 </dgm:dataModel>
@@ -14327,6 +14327,36 @@
           <a:chExt cx="0" cy="0"/>
         </a:xfrm>
       </p:grpSpPr>
+      <p:pic>
+        <p:nvPicPr>
+          <p:cNvPr id="8" name="Picture 7" descr="A red and black sign&#10;&#10;AI-generated content may be incorrect.">
+            <a:extLst>
+              <a:ext uri="{FF2B5EF4-FFF2-40B4-BE49-F238E27FC236}">
+                <a16:creationId xmlns:a16="http://schemas.microsoft.com/office/drawing/2014/main" id="{A47197B6-1678-42B7-2F03-1AFACFAE415D}"/>
+              </a:ext>
+            </a:extLst>
+          </p:cNvPr>
+          <p:cNvPicPr>
+            <a:picLocks noChangeAspect="1"/>
+          </p:cNvPicPr>
+          <p:nvPr/>
+        </p:nvPicPr>
+        <p:blipFill>
+          <a:blip r:embed="rId3"/>
+          <a:stretch>
+            <a:fillRect/>
+          </a:stretch>
+        </p:blipFill>
+        <p:spPr>
+          <a:xfrm>
+            <a:off x="3847269" y="2304634"/>
+            <a:ext cx="2248731" cy="2248731"/>
+          </a:xfrm>
+          <a:prstGeom prst="rect">
+            <a:avLst/>
+          </a:prstGeom>
+        </p:spPr>
+      </p:pic>
       <p:sp>
         <p:nvSpPr>
           <p:cNvPr id="2" name="Title 1">
@@ -14421,12 +14451,12 @@
           <p:nvPr/>
         </p:nvPicPr>
         <p:blipFill>
-          <a:blip r:embed="rId3"/>
+          <a:blip r:embed="rId4"/>
           <a:stretch/>
         </p:blipFill>
         <p:spPr>
           <a:xfrm>
-            <a:off x="2006504" y="1900605"/>
+            <a:off x="1826622" y="1324508"/>
             <a:ext cx="2663934" cy="2606023"/>
           </a:xfrm>
           <a:prstGeom prst="rect">
@@ -14543,6 +14573,36 @@
           <a:xfrm>
             <a:off x="198803" y="413432"/>
             <a:ext cx="868966" cy="850076"/>
+          </a:xfrm>
+          <a:prstGeom prst="rect">
+            <a:avLst/>
+          </a:prstGeom>
+        </p:spPr>
+      </p:pic>
+      <p:pic>
+        <p:nvPicPr>
+          <p:cNvPr id="3" name="Picture 2">
+            <a:extLst>
+              <a:ext uri="{FF2B5EF4-FFF2-40B4-BE49-F238E27FC236}">
+                <a16:creationId xmlns:a16="http://schemas.microsoft.com/office/drawing/2014/main" id="{76CE09D2-4899-E131-4450-8C39CC8EEF5C}"/>
+              </a:ext>
+            </a:extLst>
+          </p:cNvPr>
+          <p:cNvPicPr>
+            <a:picLocks noChangeAspect="1"/>
+          </p:cNvPicPr>
+          <p:nvPr/>
+        </p:nvPicPr>
+        <p:blipFill>
+          <a:blip r:embed="rId8"/>
+          <a:stretch>
+            <a:fillRect/>
+          </a:stretch>
+        </p:blipFill>
+        <p:spPr>
+          <a:xfrm>
+            <a:off x="11124232" y="413432"/>
+            <a:ext cx="850076" cy="850076"/>
           </a:xfrm>
           <a:prstGeom prst="rect">
             <a:avLst/>
@@ -14736,6 +14796,36 @@
           </a:prstGeom>
         </p:spPr>
       </p:pic>
+      <p:pic>
+        <p:nvPicPr>
+          <p:cNvPr id="3" name="Picture 2">
+            <a:extLst>
+              <a:ext uri="{FF2B5EF4-FFF2-40B4-BE49-F238E27FC236}">
+                <a16:creationId xmlns:a16="http://schemas.microsoft.com/office/drawing/2014/main" id="{03E5081D-6E52-2A63-2996-7FCF75464250}"/>
+              </a:ext>
+            </a:extLst>
+          </p:cNvPr>
+          <p:cNvPicPr>
+            <a:picLocks noChangeAspect="1"/>
+          </p:cNvPicPr>
+          <p:nvPr/>
+        </p:nvPicPr>
+        <p:blipFill>
+          <a:blip r:embed="rId10"/>
+          <a:stretch>
+            <a:fillRect/>
+          </a:stretch>
+        </p:blipFill>
+        <p:spPr>
+          <a:xfrm>
+            <a:off x="11124232" y="413432"/>
+            <a:ext cx="850076" cy="850076"/>
+          </a:xfrm>
+          <a:prstGeom prst="rect">
+            <a:avLst/>
+          </a:prstGeom>
+        </p:spPr>
+      </p:pic>
     </p:spTree>
   </p:cSld>
   <p:clrMapOvr>
@@ -14835,6 +14925,36 @@
           <a:xfrm>
             <a:off x="198803" y="413432"/>
             <a:ext cx="868966" cy="850076"/>
+          </a:xfrm>
+          <a:prstGeom prst="rect">
+            <a:avLst/>
+          </a:prstGeom>
+        </p:spPr>
+      </p:pic>
+      <p:pic>
+        <p:nvPicPr>
+          <p:cNvPr id="5" name="Picture 4">
+            <a:extLst>
+              <a:ext uri="{FF2B5EF4-FFF2-40B4-BE49-F238E27FC236}">
+                <a16:creationId xmlns:a16="http://schemas.microsoft.com/office/drawing/2014/main" id="{FC93BC86-3597-E326-05B4-1719BCC32E68}"/>
+              </a:ext>
+            </a:extLst>
+          </p:cNvPr>
+          <p:cNvPicPr>
+            <a:picLocks noChangeAspect="1"/>
+          </p:cNvPicPr>
+          <p:nvPr/>
+        </p:nvPicPr>
+        <p:blipFill>
+          <a:blip r:embed="rId3"/>
+          <a:stretch>
+            <a:fillRect/>
+          </a:stretch>
+        </p:blipFill>
+        <p:spPr>
+          <a:xfrm>
+            <a:off x="11124232" y="413432"/>
+            <a:ext cx="850076" cy="850076"/>
           </a:xfrm>
           <a:prstGeom prst="rect">
             <a:avLst/>
@@ -15059,6 +15179,36 @@
           <a:xfrm>
             <a:off x="198803" y="413432"/>
             <a:ext cx="868966" cy="850076"/>
+          </a:xfrm>
+          <a:prstGeom prst="rect">
+            <a:avLst/>
+          </a:prstGeom>
+        </p:spPr>
+      </p:pic>
+      <p:pic>
+        <p:nvPicPr>
+          <p:cNvPr id="5" name="Picture 4">
+            <a:extLst>
+              <a:ext uri="{FF2B5EF4-FFF2-40B4-BE49-F238E27FC236}">
+                <a16:creationId xmlns:a16="http://schemas.microsoft.com/office/drawing/2014/main" id="{30AA746E-A39E-B8D6-16B4-547436A4D27F}"/>
+              </a:ext>
+            </a:extLst>
+          </p:cNvPr>
+          <p:cNvPicPr>
+            <a:picLocks noChangeAspect="1"/>
+          </p:cNvPicPr>
+          <p:nvPr/>
+        </p:nvPicPr>
+        <p:blipFill>
+          <a:blip r:embed="rId7"/>
+          <a:stretch>
+            <a:fillRect/>
+          </a:stretch>
+        </p:blipFill>
+        <p:spPr>
+          <a:xfrm>
+            <a:off x="11124232" y="413432"/>
+            <a:ext cx="850076" cy="850076"/>
           </a:xfrm>
           <a:prstGeom prst="rect">
             <a:avLst/>
@@ -15314,6 +15464,36 @@
           </a:prstGeom>
         </p:spPr>
       </p:pic>
+      <p:pic>
+        <p:nvPicPr>
+          <p:cNvPr id="5" name="Picture 4">
+            <a:extLst>
+              <a:ext uri="{FF2B5EF4-FFF2-40B4-BE49-F238E27FC236}">
+                <a16:creationId xmlns:a16="http://schemas.microsoft.com/office/drawing/2014/main" id="{16D6FCB7-D568-FEF1-8C01-6C29B77F7C40}"/>
+              </a:ext>
+            </a:extLst>
+          </p:cNvPr>
+          <p:cNvPicPr>
+            <a:picLocks noChangeAspect="1"/>
+          </p:cNvPicPr>
+          <p:nvPr/>
+        </p:nvPicPr>
+        <p:blipFill>
+          <a:blip r:embed="rId5"/>
+          <a:stretch>
+            <a:fillRect/>
+          </a:stretch>
+        </p:blipFill>
+        <p:spPr>
+          <a:xfrm>
+            <a:off x="11124232" y="413432"/>
+            <a:ext cx="850076" cy="850076"/>
+          </a:xfrm>
+          <a:prstGeom prst="rect">
+            <a:avLst/>
+          </a:prstGeom>
+        </p:spPr>
+      </p:pic>
     </p:spTree>
   </p:cSld>
   <p:clrMapOvr>
@@ -15562,6 +15742,36 @@
           <a:xfrm>
             <a:off x="198803" y="413432"/>
             <a:ext cx="868966" cy="850076"/>
+          </a:xfrm>
+          <a:prstGeom prst="rect">
+            <a:avLst/>
+          </a:prstGeom>
+        </p:spPr>
+      </p:pic>
+      <p:pic>
+        <p:nvPicPr>
+          <p:cNvPr id="5" name="Picture 4">
+            <a:extLst>
+              <a:ext uri="{FF2B5EF4-FFF2-40B4-BE49-F238E27FC236}">
+                <a16:creationId xmlns:a16="http://schemas.microsoft.com/office/drawing/2014/main" id="{1143E92D-3949-3D1A-568F-D12540862D70}"/>
+              </a:ext>
+            </a:extLst>
+          </p:cNvPr>
+          <p:cNvPicPr>
+            <a:picLocks noChangeAspect="1"/>
+          </p:cNvPicPr>
+          <p:nvPr/>
+        </p:nvPicPr>
+        <p:blipFill>
+          <a:blip r:embed="rId5"/>
+          <a:stretch>
+            <a:fillRect/>
+          </a:stretch>
+        </p:blipFill>
+        <p:spPr>
+          <a:xfrm>
+            <a:off x="11124232" y="413432"/>
+            <a:ext cx="850076" cy="850076"/>
           </a:xfrm>
           <a:prstGeom prst="rect">
             <a:avLst/>
@@ -15817,6 +16027,36 @@
           </a:prstGeom>
         </p:spPr>
       </p:pic>
+      <p:pic>
+        <p:nvPicPr>
+          <p:cNvPr id="5" name="Picture 4">
+            <a:extLst>
+              <a:ext uri="{FF2B5EF4-FFF2-40B4-BE49-F238E27FC236}">
+                <a16:creationId xmlns:a16="http://schemas.microsoft.com/office/drawing/2014/main" id="{1514EA44-DDEF-D6B5-B74F-22B0CD6E77BB}"/>
+              </a:ext>
+            </a:extLst>
+          </p:cNvPr>
+          <p:cNvPicPr>
+            <a:picLocks noChangeAspect="1"/>
+          </p:cNvPicPr>
+          <p:nvPr/>
+        </p:nvPicPr>
+        <p:blipFill>
+          <a:blip r:embed="rId5"/>
+          <a:stretch>
+            <a:fillRect/>
+          </a:stretch>
+        </p:blipFill>
+        <p:spPr>
+          <a:xfrm>
+            <a:off x="11124232" y="413432"/>
+            <a:ext cx="850076" cy="850076"/>
+          </a:xfrm>
+          <a:prstGeom prst="rect">
+            <a:avLst/>
+          </a:prstGeom>
+        </p:spPr>
+      </p:pic>
     </p:spTree>
   </p:cSld>
   <p:clrMapOvr>
@@ -16056,6 +16296,36 @@
           <a:xfrm>
             <a:off x="198803" y="413432"/>
             <a:ext cx="868966" cy="850076"/>
+          </a:xfrm>
+          <a:prstGeom prst="rect">
+            <a:avLst/>
+          </a:prstGeom>
+        </p:spPr>
+      </p:pic>
+      <p:pic>
+        <p:nvPicPr>
+          <p:cNvPr id="6" name="Picture 5">
+            <a:extLst>
+              <a:ext uri="{FF2B5EF4-FFF2-40B4-BE49-F238E27FC236}">
+                <a16:creationId xmlns:a16="http://schemas.microsoft.com/office/drawing/2014/main" id="{A41B1B19-CE57-3AF6-4C2C-EAE445A61413}"/>
+              </a:ext>
+            </a:extLst>
+          </p:cNvPr>
+          <p:cNvPicPr>
+            <a:picLocks noChangeAspect="1"/>
+          </p:cNvPicPr>
+          <p:nvPr/>
+        </p:nvPicPr>
+        <p:blipFill>
+          <a:blip r:embed="rId5"/>
+          <a:stretch>
+            <a:fillRect/>
+          </a:stretch>
+        </p:blipFill>
+        <p:spPr>
+          <a:xfrm>
+            <a:off x="11124232" y="413432"/>
+            <a:ext cx="850076" cy="850076"/>
           </a:xfrm>
           <a:prstGeom prst="rect">
             <a:avLst/>
@@ -16311,6 +16581,36 @@
           </a:prstGeom>
         </p:spPr>
       </p:pic>
+      <p:pic>
+        <p:nvPicPr>
+          <p:cNvPr id="5" name="Picture 4">
+            <a:extLst>
+              <a:ext uri="{FF2B5EF4-FFF2-40B4-BE49-F238E27FC236}">
+                <a16:creationId xmlns:a16="http://schemas.microsoft.com/office/drawing/2014/main" id="{60681156-5EEF-68A6-7244-62F24ABE5943}"/>
+              </a:ext>
+            </a:extLst>
+          </p:cNvPr>
+          <p:cNvPicPr>
+            <a:picLocks noChangeAspect="1"/>
+          </p:cNvPicPr>
+          <p:nvPr/>
+        </p:nvPicPr>
+        <p:blipFill>
+          <a:blip r:embed="rId5"/>
+          <a:stretch>
+            <a:fillRect/>
+          </a:stretch>
+        </p:blipFill>
+        <p:spPr>
+          <a:xfrm>
+            <a:off x="11124232" y="413432"/>
+            <a:ext cx="850076" cy="850076"/>
+          </a:xfrm>
+          <a:prstGeom prst="rect">
+            <a:avLst/>
+          </a:prstGeom>
+        </p:spPr>
+      </p:pic>
     </p:spTree>
   </p:cSld>
   <p:clrMapOvr>
@@ -16559,6 +16859,36 @@
           <a:xfrm>
             <a:off x="198803" y="413432"/>
             <a:ext cx="868966" cy="850076"/>
+          </a:xfrm>
+          <a:prstGeom prst="rect">
+            <a:avLst/>
+          </a:prstGeom>
+        </p:spPr>
+      </p:pic>
+      <p:pic>
+        <p:nvPicPr>
+          <p:cNvPr id="5" name="Picture 4">
+            <a:extLst>
+              <a:ext uri="{FF2B5EF4-FFF2-40B4-BE49-F238E27FC236}">
+                <a16:creationId xmlns:a16="http://schemas.microsoft.com/office/drawing/2014/main" id="{4DDA4602-EFF0-7EC4-5D7A-66C867A9A275}"/>
+              </a:ext>
+            </a:extLst>
+          </p:cNvPr>
+          <p:cNvPicPr>
+            <a:picLocks noChangeAspect="1"/>
+          </p:cNvPicPr>
+          <p:nvPr/>
+        </p:nvPicPr>
+        <p:blipFill>
+          <a:blip r:embed="rId5"/>
+          <a:stretch>
+            <a:fillRect/>
+          </a:stretch>
+        </p:blipFill>
+        <p:spPr>
+          <a:xfrm>
+            <a:off x="11124232" y="413432"/>
+            <a:ext cx="850076" cy="850076"/>
           </a:xfrm>
           <a:prstGeom prst="rect">
             <a:avLst/>
@@ -16813,6 +17143,36 @@
           <a:xfrm>
             <a:off x="198803" y="413432"/>
             <a:ext cx="868966" cy="850076"/>
+          </a:xfrm>
+          <a:prstGeom prst="rect">
+            <a:avLst/>
+          </a:prstGeom>
+        </p:spPr>
+      </p:pic>
+      <p:pic>
+        <p:nvPicPr>
+          <p:cNvPr id="4" name="Picture 3">
+            <a:extLst>
+              <a:ext uri="{FF2B5EF4-FFF2-40B4-BE49-F238E27FC236}">
+                <a16:creationId xmlns:a16="http://schemas.microsoft.com/office/drawing/2014/main" id="{F543662E-CCD0-4877-0E44-71483B4E2738}"/>
+              </a:ext>
+            </a:extLst>
+          </p:cNvPr>
+          <p:cNvPicPr>
+            <a:picLocks noChangeAspect="1"/>
+          </p:cNvPicPr>
+          <p:nvPr/>
+        </p:nvPicPr>
+        <p:blipFill>
+          <a:blip r:embed="rId7"/>
+          <a:stretch>
+            <a:fillRect/>
+          </a:stretch>
+        </p:blipFill>
+        <p:spPr>
+          <a:xfrm>
+            <a:off x="11124232" y="413432"/>
+            <a:ext cx="850076" cy="850076"/>
           </a:xfrm>
           <a:prstGeom prst="rect">
             <a:avLst/>
@@ -17078,6 +17438,36 @@
           </a:prstGeom>
         </p:spPr>
       </p:pic>
+      <p:pic>
+        <p:nvPicPr>
+          <p:cNvPr id="5" name="Picture 4">
+            <a:extLst>
+              <a:ext uri="{FF2B5EF4-FFF2-40B4-BE49-F238E27FC236}">
+                <a16:creationId xmlns:a16="http://schemas.microsoft.com/office/drawing/2014/main" id="{9446FA44-E9C9-BAC0-4010-BA0AF8B89263}"/>
+              </a:ext>
+            </a:extLst>
+          </p:cNvPr>
+          <p:cNvPicPr>
+            <a:picLocks noChangeAspect="1"/>
+          </p:cNvPicPr>
+          <p:nvPr/>
+        </p:nvPicPr>
+        <p:blipFill>
+          <a:blip r:embed="rId5"/>
+          <a:stretch>
+            <a:fillRect/>
+          </a:stretch>
+        </p:blipFill>
+        <p:spPr>
+          <a:xfrm>
+            <a:off x="11124232" y="413432"/>
+            <a:ext cx="850076" cy="850076"/>
+          </a:xfrm>
+          <a:prstGeom prst="rect">
+            <a:avLst/>
+          </a:prstGeom>
+        </p:spPr>
+      </p:pic>
     </p:spTree>
   </p:cSld>
   <p:clrMapOvr>
@@ -17339,6 +17729,36 @@
           <a:xfrm>
             <a:off x="198803" y="413432"/>
             <a:ext cx="868966" cy="850076"/>
+          </a:xfrm>
+          <a:prstGeom prst="rect">
+            <a:avLst/>
+          </a:prstGeom>
+        </p:spPr>
+      </p:pic>
+      <p:pic>
+        <p:nvPicPr>
+          <p:cNvPr id="5" name="Picture 4">
+            <a:extLst>
+              <a:ext uri="{FF2B5EF4-FFF2-40B4-BE49-F238E27FC236}">
+                <a16:creationId xmlns:a16="http://schemas.microsoft.com/office/drawing/2014/main" id="{C4ECF449-EC90-B74A-FD56-CD9C111361C4}"/>
+              </a:ext>
+            </a:extLst>
+          </p:cNvPr>
+          <p:cNvPicPr>
+            <a:picLocks noChangeAspect="1"/>
+          </p:cNvPicPr>
+          <p:nvPr/>
+        </p:nvPicPr>
+        <p:blipFill>
+          <a:blip r:embed="rId4"/>
+          <a:stretch>
+            <a:fillRect/>
+          </a:stretch>
+        </p:blipFill>
+        <p:spPr>
+          <a:xfrm>
+            <a:off x="11124232" y="413432"/>
+            <a:ext cx="850076" cy="850076"/>
           </a:xfrm>
           <a:prstGeom prst="rect">
             <a:avLst/>
@@ -17598,7 +18018,7 @@
         </p:blipFill>
         <p:spPr>
           <a:xfrm>
-            <a:off x="3612415" y="885150"/>
+            <a:off x="3177932" y="885150"/>
             <a:ext cx="868966" cy="850076"/>
           </a:xfrm>
           <a:prstGeom prst="rect">
@@ -17632,6 +18052,36 @@
           <a:xfrm>
             <a:off x="8840863" y="684239"/>
             <a:ext cx="2744761" cy="2744761"/>
+          </a:xfrm>
+          <a:prstGeom prst="rect">
+            <a:avLst/>
+          </a:prstGeom>
+        </p:spPr>
+      </p:pic>
+      <p:pic>
+        <p:nvPicPr>
+          <p:cNvPr id="11" name="Picture 10">
+            <a:extLst>
+              <a:ext uri="{FF2B5EF4-FFF2-40B4-BE49-F238E27FC236}">
+                <a16:creationId xmlns:a16="http://schemas.microsoft.com/office/drawing/2014/main" id="{9723C927-1EEE-0D9C-E54D-F461D5E23306}"/>
+              </a:ext>
+            </a:extLst>
+          </p:cNvPr>
+          <p:cNvPicPr>
+            <a:picLocks noChangeAspect="1"/>
+          </p:cNvPicPr>
+          <p:nvPr/>
+        </p:nvPicPr>
+        <p:blipFill>
+          <a:blip r:embed="rId6"/>
+          <a:stretch>
+            <a:fillRect/>
+          </a:stretch>
+        </p:blipFill>
+        <p:spPr>
+          <a:xfrm>
+            <a:off x="4129093" y="890464"/>
+            <a:ext cx="850076" cy="850076"/>
           </a:xfrm>
           <a:prstGeom prst="rect">
             <a:avLst/>
@@ -17685,6 +18135,36 @@
           <a:chExt cx="0" cy="0"/>
         </a:xfrm>
       </p:grpSpPr>
+      <p:pic>
+        <p:nvPicPr>
+          <p:cNvPr id="3" name="Picture 2">
+            <a:extLst>
+              <a:ext uri="{FF2B5EF4-FFF2-40B4-BE49-F238E27FC236}">
+                <a16:creationId xmlns:a16="http://schemas.microsoft.com/office/drawing/2014/main" id="{331161D7-3C04-79DC-8DB6-A7F0AC5E944B}"/>
+              </a:ext>
+            </a:extLst>
+          </p:cNvPr>
+          <p:cNvPicPr>
+            <a:picLocks noChangeAspect="1"/>
+          </p:cNvPicPr>
+          <p:nvPr/>
+        </p:nvPicPr>
+        <p:blipFill>
+          <a:blip r:embed="rId3"/>
+          <a:stretch>
+            <a:fillRect/>
+          </a:stretch>
+        </p:blipFill>
+        <p:spPr>
+          <a:xfrm>
+            <a:off x="11124232" y="413432"/>
+            <a:ext cx="850076" cy="850076"/>
+          </a:xfrm>
+          <a:prstGeom prst="rect">
+            <a:avLst/>
+          </a:prstGeom>
+        </p:spPr>
+      </p:pic>
       <p:sp>
         <p:nvSpPr>
           <p:cNvPr id="2" name="Title 1"/>
@@ -17737,7 +18217,7 @@
           </p:nvPr>
         </p:nvPicPr>
         <p:blipFill>
-          <a:blip r:embed="rId3">
+          <a:blip r:embed="rId4">
             <a:extLst>
               <a:ext uri="{28A0092B-C50C-407E-A947-70E740481C1C}">
                 <a14:useLocalDpi xmlns:a14="http://schemas.microsoft.com/office/drawing/2010/main" val="0"/>
@@ -17774,7 +18254,7 @@
             <p:ph idx="1"/>
             <p:extLst>
               <p:ext uri="{D42A27DB-BD31-4B8C-83A1-F6EECF244321}">
-                <p14:modId xmlns:p14="http://schemas.microsoft.com/office/powerpoint/2010/main" val="4221606487"/>
+                <p14:modId xmlns:p14="http://schemas.microsoft.com/office/powerpoint/2010/main" val="1360407314"/>
               </p:ext>
             </p:extLst>
           </p:nvPr>
@@ -17785,7 +18265,7 @@
         </p:xfrm>
         <a:graphic>
           <a:graphicData uri="http://schemas.openxmlformats.org/drawingml/2006/diagram">
-            <dgm:relIds xmlns:dgm="http://schemas.openxmlformats.org/drawingml/2006/diagram" xmlns:r="http://schemas.openxmlformats.org/officeDocument/2006/relationships" r:dm="rId4" r:lo="rId5" r:qs="rId6" r:cs="rId7"/>
+            <dgm:relIds xmlns:dgm="http://schemas.openxmlformats.org/drawingml/2006/diagram" xmlns:r="http://schemas.openxmlformats.org/officeDocument/2006/relationships" r:dm="rId5" r:lo="rId6" r:qs="rId7" r:cs="rId8"/>
           </a:graphicData>
         </a:graphic>
       </p:graphicFrame>
@@ -17804,7 +18284,7 @@
           <p:nvPr/>
         </p:nvPicPr>
         <p:blipFill>
-          <a:blip r:embed="rId9"/>
+          <a:blip r:embed="rId10"/>
           <a:stretch>
             <a:fillRect/>
           </a:stretch>
@@ -18001,6 +18481,36 @@
           </a:prstGeom>
         </p:spPr>
       </p:pic>
+      <p:pic>
+        <p:nvPicPr>
+          <p:cNvPr id="5" name="Picture 4">
+            <a:extLst>
+              <a:ext uri="{FF2B5EF4-FFF2-40B4-BE49-F238E27FC236}">
+                <a16:creationId xmlns:a16="http://schemas.microsoft.com/office/drawing/2014/main" id="{C0DB8BD7-BE72-4C1E-2045-5F524793B91C}"/>
+              </a:ext>
+            </a:extLst>
+          </p:cNvPr>
+          <p:cNvPicPr>
+            <a:picLocks noChangeAspect="1"/>
+          </p:cNvPicPr>
+          <p:nvPr/>
+        </p:nvPicPr>
+        <p:blipFill>
+          <a:blip r:embed="rId6"/>
+          <a:stretch>
+            <a:fillRect/>
+          </a:stretch>
+        </p:blipFill>
+        <p:spPr>
+          <a:xfrm>
+            <a:off x="11124232" y="413432"/>
+            <a:ext cx="850076" cy="850076"/>
+          </a:xfrm>
+          <a:prstGeom prst="rect">
+            <a:avLst/>
+          </a:prstGeom>
+        </p:spPr>
+      </p:pic>
     </p:spTree>
   </p:cSld>
   <p:clrMapOvr>
@@ -18172,6 +18682,36 @@
           <a:xfrm>
             <a:off x="198803" y="413432"/>
             <a:ext cx="868966" cy="850076"/>
+          </a:xfrm>
+          <a:prstGeom prst="rect">
+            <a:avLst/>
+          </a:prstGeom>
+        </p:spPr>
+      </p:pic>
+      <p:pic>
+        <p:nvPicPr>
+          <p:cNvPr id="5" name="Picture 4">
+            <a:extLst>
+              <a:ext uri="{FF2B5EF4-FFF2-40B4-BE49-F238E27FC236}">
+                <a16:creationId xmlns:a16="http://schemas.microsoft.com/office/drawing/2014/main" id="{C025E8CD-3776-5273-334F-60826310C3A7}"/>
+              </a:ext>
+            </a:extLst>
+          </p:cNvPr>
+          <p:cNvPicPr>
+            <a:picLocks noChangeAspect="1"/>
+          </p:cNvPicPr>
+          <p:nvPr/>
+        </p:nvPicPr>
+        <p:blipFill>
+          <a:blip r:embed="rId6"/>
+          <a:stretch>
+            <a:fillRect/>
+          </a:stretch>
+        </p:blipFill>
+        <p:spPr>
+          <a:xfrm>
+            <a:off x="11124232" y="413432"/>
+            <a:ext cx="850076" cy="850076"/>
           </a:xfrm>
           <a:prstGeom prst="rect">
             <a:avLst/>
@@ -18415,6 +18955,36 @@
           </a:prstGeom>
         </p:spPr>
       </p:pic>
+      <p:pic>
+        <p:nvPicPr>
+          <p:cNvPr id="5" name="Picture 4">
+            <a:extLst>
+              <a:ext uri="{FF2B5EF4-FFF2-40B4-BE49-F238E27FC236}">
+                <a16:creationId xmlns:a16="http://schemas.microsoft.com/office/drawing/2014/main" id="{1F74B1C5-17A3-ADF5-FC47-F73803733ED2}"/>
+              </a:ext>
+            </a:extLst>
+          </p:cNvPr>
+          <p:cNvPicPr>
+            <a:picLocks noChangeAspect="1"/>
+          </p:cNvPicPr>
+          <p:nvPr/>
+        </p:nvPicPr>
+        <p:blipFill>
+          <a:blip r:embed="rId7"/>
+          <a:stretch>
+            <a:fillRect/>
+          </a:stretch>
+        </p:blipFill>
+        <p:spPr>
+          <a:xfrm>
+            <a:off x="11124232" y="413432"/>
+            <a:ext cx="850076" cy="850076"/>
+          </a:xfrm>
+          <a:prstGeom prst="rect">
+            <a:avLst/>
+          </a:prstGeom>
+        </p:spPr>
+      </p:pic>
     </p:spTree>
   </p:cSld>
   <p:clrMapOvr>
@@ -18582,6 +19152,36 @@
           <a:xfrm>
             <a:off x="198803" y="413432"/>
             <a:ext cx="868966" cy="850076"/>
+          </a:xfrm>
+          <a:prstGeom prst="rect">
+            <a:avLst/>
+          </a:prstGeom>
+        </p:spPr>
+      </p:pic>
+      <p:pic>
+        <p:nvPicPr>
+          <p:cNvPr id="5" name="Picture 4">
+            <a:extLst>
+              <a:ext uri="{FF2B5EF4-FFF2-40B4-BE49-F238E27FC236}">
+                <a16:creationId xmlns:a16="http://schemas.microsoft.com/office/drawing/2014/main" id="{703D771B-A4BF-486E-E570-25F8C2DC9BEF}"/>
+              </a:ext>
+            </a:extLst>
+          </p:cNvPr>
+          <p:cNvPicPr>
+            <a:picLocks noChangeAspect="1"/>
+          </p:cNvPicPr>
+          <p:nvPr/>
+        </p:nvPicPr>
+        <p:blipFill>
+          <a:blip r:embed="rId6"/>
+          <a:stretch>
+            <a:fillRect/>
+          </a:stretch>
+        </p:blipFill>
+        <p:spPr>
+          <a:xfrm>
+            <a:off x="11124232" y="413432"/>
+            <a:ext cx="850076" cy="850076"/>
           </a:xfrm>
           <a:prstGeom prst="rect">
             <a:avLst/>
@@ -18856,6 +19456,36 @@
           </a:prstGeom>
         </p:spPr>
       </p:pic>
+      <p:pic>
+        <p:nvPicPr>
+          <p:cNvPr id="5" name="Picture 4">
+            <a:extLst>
+              <a:ext uri="{FF2B5EF4-FFF2-40B4-BE49-F238E27FC236}">
+                <a16:creationId xmlns:a16="http://schemas.microsoft.com/office/drawing/2014/main" id="{820AE29A-61C3-D39C-3823-A8EDA25FC26E}"/>
+              </a:ext>
+            </a:extLst>
+          </p:cNvPr>
+          <p:cNvPicPr>
+            <a:picLocks noChangeAspect="1"/>
+          </p:cNvPicPr>
+          <p:nvPr/>
+        </p:nvPicPr>
+        <p:blipFill>
+          <a:blip r:embed="rId4"/>
+          <a:stretch>
+            <a:fillRect/>
+          </a:stretch>
+        </p:blipFill>
+        <p:spPr>
+          <a:xfrm>
+            <a:off x="11124232" y="413432"/>
+            <a:ext cx="850076" cy="850076"/>
+          </a:xfrm>
+          <a:prstGeom prst="rect">
+            <a:avLst/>
+          </a:prstGeom>
+        </p:spPr>
+      </p:pic>
     </p:spTree>
   </p:cSld>
   <p:clrMapOvr>
@@ -19104,6 +19734,36 @@
           <a:xfrm>
             <a:off x="198803" y="413432"/>
             <a:ext cx="868966" cy="850076"/>
+          </a:xfrm>
+          <a:prstGeom prst="rect">
+            <a:avLst/>
+          </a:prstGeom>
+        </p:spPr>
+      </p:pic>
+      <p:pic>
+        <p:nvPicPr>
+          <p:cNvPr id="5" name="Picture 4">
+            <a:extLst>
+              <a:ext uri="{FF2B5EF4-FFF2-40B4-BE49-F238E27FC236}">
+                <a16:creationId xmlns:a16="http://schemas.microsoft.com/office/drawing/2014/main" id="{21F8ED91-D41E-AA27-9B7B-58B7CC92B596}"/>
+              </a:ext>
+            </a:extLst>
+          </p:cNvPr>
+          <p:cNvPicPr>
+            <a:picLocks noChangeAspect="1"/>
+          </p:cNvPicPr>
+          <p:nvPr/>
+        </p:nvPicPr>
+        <p:blipFill>
+          <a:blip r:embed="rId5"/>
+          <a:stretch>
+            <a:fillRect/>
+          </a:stretch>
+        </p:blipFill>
+        <p:spPr>
+          <a:xfrm>
+            <a:off x="11124232" y="413432"/>
+            <a:ext cx="850076" cy="850076"/>
           </a:xfrm>
           <a:prstGeom prst="rect">
             <a:avLst/>

--- a/GitHub Presentation .pptx
+++ b/GitHub Presentation .pptx
@@ -8006,7 +8006,7 @@
           <a:p>
             <a:fld id="{EC7324BB-E821-4DD3-B770-F0547F79150B}" type="datetimeFigureOut">
               <a:rPr lang="en-US" smtClean="0"/>
-              <a:t>23-Mar-25</a:t>
+              <a:t>24-Mar-25</a:t>
             </a:fld>
             <a:endParaRPr lang="en-US"/>
           </a:p>
@@ -8542,7 +8542,7 @@
           <a:p>
             <a:fld id="{5BCAD085-E8A6-8845-BD4E-CB4CCA059FC4}" type="datetimeFigureOut">
               <a:rPr lang="en-US" smtClean="0"/>
-              <a:t>23-Mar-25</a:t>
+              <a:t>24-Mar-25</a:t>
             </a:fld>
             <a:endParaRPr lang="en-US"/>
           </a:p>
@@ -8843,7 +8843,7 @@
           <a:p>
             <a:fld id="{5BCAD085-E8A6-8845-BD4E-CB4CCA059FC4}" type="datetimeFigureOut">
               <a:rPr lang="en-US" smtClean="0"/>
-              <a:t>23-Mar-25</a:t>
+              <a:t>24-Mar-25</a:t>
             </a:fld>
             <a:endParaRPr lang="en-US"/>
           </a:p>
@@ -9038,7 +9038,7 @@
           <a:p>
             <a:fld id="{5BCAD085-E8A6-8845-BD4E-CB4CCA059FC4}" type="datetimeFigureOut">
               <a:rPr lang="en-US" smtClean="0"/>
-              <a:t>23-Mar-25</a:t>
+              <a:t>24-Mar-25</a:t>
             </a:fld>
             <a:endParaRPr lang="en-US"/>
           </a:p>
@@ -9302,7 +9302,7 @@
           <a:p>
             <a:fld id="{5BCAD085-E8A6-8845-BD4E-CB4CCA059FC4}" type="datetimeFigureOut">
               <a:rPr lang="en-US" smtClean="0"/>
-              <a:t>23-Mar-25</a:t>
+              <a:t>24-Mar-25</a:t>
             </a:fld>
             <a:endParaRPr lang="en-US"/>
           </a:p>
@@ -9729,7 +9729,7 @@
           <a:p>
             <a:fld id="{5BCAD085-E8A6-8845-BD4E-CB4CCA059FC4}" type="datetimeFigureOut">
               <a:rPr lang="en-US" smtClean="0"/>
-              <a:t>23-Mar-25</a:t>
+              <a:t>24-Mar-25</a:t>
             </a:fld>
             <a:endParaRPr lang="en-US"/>
           </a:p>
@@ -10269,7 +10269,7 @@
           <a:p>
             <a:fld id="{5BCAD085-E8A6-8845-BD4E-CB4CCA059FC4}" type="datetimeFigureOut">
               <a:rPr lang="en-US" smtClean="0"/>
-              <a:t>23-Mar-25</a:t>
+              <a:t>24-Mar-25</a:t>
             </a:fld>
             <a:endParaRPr lang="en-US"/>
           </a:p>
@@ -11136,7 +11136,7 @@
           <a:p>
             <a:fld id="{5BCAD085-E8A6-8845-BD4E-CB4CCA059FC4}" type="datetimeFigureOut">
               <a:rPr lang="en-US" smtClean="0"/>
-              <a:t>23-Mar-25</a:t>
+              <a:t>24-Mar-25</a:t>
             </a:fld>
             <a:endParaRPr lang="en-US"/>
           </a:p>
@@ -11309,7 +11309,7 @@
           <a:p>
             <a:fld id="{5BCAD085-E8A6-8845-BD4E-CB4CCA059FC4}" type="datetimeFigureOut">
               <a:rPr lang="en-US" smtClean="0"/>
-              <a:t>23-Mar-25</a:t>
+              <a:t>24-Mar-25</a:t>
             </a:fld>
             <a:endParaRPr lang="en-US"/>
           </a:p>
@@ -11496,7 +11496,7 @@
           <a:p>
             <a:fld id="{5BCAD085-E8A6-8845-BD4E-CB4CCA059FC4}" type="datetimeFigureOut">
               <a:rPr lang="en-US" smtClean="0"/>
-              <a:t>23-Mar-25</a:t>
+              <a:t>24-Mar-25</a:t>
             </a:fld>
             <a:endParaRPr lang="en-US"/>
           </a:p>
@@ -11672,7 +11672,7 @@
           <a:p>
             <a:fld id="{5BCAD085-E8A6-8845-BD4E-CB4CCA059FC4}" type="datetimeFigureOut">
               <a:rPr lang="en-US" smtClean="0"/>
-              <a:t>23-Mar-25</a:t>
+              <a:t>24-Mar-25</a:t>
             </a:fld>
             <a:endParaRPr lang="en-US"/>
           </a:p>
@@ -11919,7 +11919,7 @@
           <a:p>
             <a:fld id="{5BCAD085-E8A6-8845-BD4E-CB4CCA059FC4}" type="datetimeFigureOut">
               <a:rPr lang="en-US" smtClean="0"/>
-              <a:t>23-Mar-25</a:t>
+              <a:t>24-Mar-25</a:t>
             </a:fld>
             <a:endParaRPr lang="en-US"/>
           </a:p>
@@ -12158,7 +12158,7 @@
           <a:p>
             <a:fld id="{5BCAD085-E8A6-8845-BD4E-CB4CCA059FC4}" type="datetimeFigureOut">
               <a:rPr lang="en-US" smtClean="0"/>
-              <a:t>23-Mar-25</a:t>
+              <a:t>24-Mar-25</a:t>
             </a:fld>
             <a:endParaRPr lang="en-US"/>
           </a:p>
@@ -12627,7 +12627,7 @@
           <a:p>
             <a:fld id="{5BCAD085-E8A6-8845-BD4E-CB4CCA059FC4}" type="datetimeFigureOut">
               <a:rPr lang="en-US" smtClean="0"/>
-              <a:t>23-Mar-25</a:t>
+              <a:t>24-Mar-25</a:t>
             </a:fld>
             <a:endParaRPr lang="en-US"/>
           </a:p>
@@ -12748,7 +12748,7 @@
           <a:p>
             <a:fld id="{5BCAD085-E8A6-8845-BD4E-CB4CCA059FC4}" type="datetimeFigureOut">
               <a:rPr lang="en-US" smtClean="0"/>
-              <a:t>23-Mar-25</a:t>
+              <a:t>24-Mar-25</a:t>
             </a:fld>
             <a:endParaRPr lang="en-US"/>
           </a:p>
@@ -12846,7 +12846,7 @@
           <a:p>
             <a:fld id="{5BCAD085-E8A6-8845-BD4E-CB4CCA059FC4}" type="datetimeFigureOut">
               <a:rPr lang="en-US" smtClean="0"/>
-              <a:t>23-Mar-25</a:t>
+              <a:t>24-Mar-25</a:t>
             </a:fld>
             <a:endParaRPr lang="en-US"/>
           </a:p>
@@ -13104,7 +13104,7 @@
           <a:p>
             <a:fld id="{5BCAD085-E8A6-8845-BD4E-CB4CCA059FC4}" type="datetimeFigureOut">
               <a:rPr lang="en-US" smtClean="0"/>
-              <a:t>23-Mar-25</a:t>
+              <a:t>24-Mar-25</a:t>
             </a:fld>
             <a:endParaRPr lang="en-US"/>
           </a:p>
@@ -13407,7 +13407,7 @@
           <a:p>
             <a:fld id="{5BCAD085-E8A6-8845-BD4E-CB4CCA059FC4}" type="datetimeFigureOut">
               <a:rPr lang="en-US" smtClean="0"/>
-              <a:t>23-Mar-25</a:t>
+              <a:t>24-Mar-25</a:t>
             </a:fld>
             <a:endParaRPr lang="en-US"/>
           </a:p>
@@ -13644,7 +13644,7 @@
           <a:p>
             <a:fld id="{5BCAD085-E8A6-8845-BD4E-CB4CCA059FC4}" type="datetimeFigureOut">
               <a:rPr lang="en-US" smtClean="0"/>
-              <a:t>23-Mar-25</a:t>
+              <a:t>24-Mar-25</a:t>
             </a:fld>
             <a:endParaRPr lang="en-US"/>
           </a:p>
@@ -17896,9 +17896,10 @@
           <a:p>
             <a:pPr algn="l"/>
             <a:r>
-              <a:rPr lang="en-US" sz="3600" dirty="0"/>
+              <a:rPr lang="en-US" sz="3600"/>
               <a:t>Any Questions?</a:t>
             </a:r>
+            <a:endParaRPr lang="en-US" sz="3600" dirty="0"/>
           </a:p>
         </p:txBody>
       </p:sp>
@@ -17973,26 +17974,22 @@
               <a:buNone/>
             </a:pPr>
             <a:r>
-              <a:rPr dirty="0"/>
+              <a:rPr lang="en-US"/>
               <a:t>Thank You!</a:t>
             </a:r>
           </a:p>
           <a:p>
             <a:r>
-              <a:rPr dirty="0"/>
+              <a:rPr lang="en-US"/>
               <a:t>Email: zeeshan.sarfraz@atrons.net</a:t>
             </a:r>
           </a:p>
           <a:p>
             <a:r>
-              <a:rPr dirty="0"/>
-              <a:t>LinkedIn: </a:t>
+              <a:rPr lang="en-US"/>
+              <a:t>LinkedIn: www.linkedin.com/in/xeeshan-zs/</a:t>
             </a:r>
-            <a:r>
-              <a:rPr lang="en-US" dirty="0"/>
-              <a:t>www.linkedin.com/in/xeeshan-zs/</a:t>
-            </a:r>
-            <a:endParaRPr dirty="0"/>
+            <a:endParaRPr lang="en-US" dirty="0"/>
           </a:p>
         </p:txBody>
       </p:sp>
@@ -18086,6 +18083,51 @@
           <a:prstGeom prst="rect">
             <a:avLst/>
           </a:prstGeom>
+        </p:spPr>
+      </p:pic>
+      <p:pic>
+        <p:nvPicPr>
+          <p:cNvPr id="1026" name="Picture 2" descr="Ransomizer.com image">
+            <a:extLst>
+              <a:ext uri="{FF2B5EF4-FFF2-40B4-BE49-F238E27FC236}">
+                <a16:creationId xmlns:a16="http://schemas.microsoft.com/office/drawing/2014/main" id="{B2650139-2841-CD4A-BC07-AC3C2FD4BB07}"/>
+              </a:ext>
+            </a:extLst>
+          </p:cNvPr>
+          <p:cNvPicPr>
+            <a:picLocks noChangeAspect="1" noChangeArrowheads="1"/>
+          </p:cNvPicPr>
+          <p:nvPr/>
+        </p:nvPicPr>
+        <p:blipFill rotWithShape="1">
+          <a:blip r:embed="rId7">
+            <a:extLst>
+              <a:ext uri="{28A0092B-C50C-407E-A947-70E740481C1C}">
+                <a14:useLocalDpi xmlns:a14="http://schemas.microsoft.com/office/drawing/2010/main" val="0"/>
+              </a:ext>
+            </a:extLst>
+          </a:blip>
+          <a:srcRect r="52151" b="21254"/>
+          <a:stretch/>
+        </p:blipFill>
+        <p:spPr bwMode="auto">
+          <a:xfrm>
+            <a:off x="1323113" y="4376752"/>
+            <a:ext cx="1474674" cy="720791"/>
+          </a:xfrm>
+          <a:prstGeom prst="rect">
+            <a:avLst/>
+          </a:prstGeom>
+          <a:noFill/>
+          <a:extLst>
+            <a:ext uri="{909E8E84-426E-40DD-AFC4-6F175D3DCCD1}">
+              <a14:hiddenFill xmlns:a14="http://schemas.microsoft.com/office/drawing/2010/main">
+                <a:solidFill>
+                  <a:srgbClr val="FFFFFF"/>
+                </a:solidFill>
+              </a14:hiddenFill>
+            </a:ext>
+          </a:extLst>
         </p:spPr>
       </p:pic>
     </p:spTree>
